--- a/Final Projectqhoid.pptx
+++ b/Final Projectqhoid.pptx
@@ -9,6 +9,7 @@
     <p:sldId id="257" r:id="rId3"/>
     <p:sldId id="262" r:id="rId4"/>
     <p:sldId id="260" r:id="rId5"/>
+    <p:sldId id="263" r:id="rId6"/>
   </p:sldIdLst>
   <p:sldSz cx="12192000" cy="6858000"/>
   <p:notesSz cx="6858000" cy="9144000"/>
@@ -107,6 +108,11 @@
       </a:defRPr>
     </a:lvl9pPr>
   </p:defaultTextStyle>
+  <p:extLst>
+    <p:ext uri="{EFAFB233-063F-42B5-8137-9DF3F51BA10A}">
+      <p15:sldGuideLst xmlns:p15="http://schemas.microsoft.com/office/powerpoint/2012/main"/>
+    </p:ext>
+  </p:extLst>
 </p:presentation>
 </file>
 
@@ -13400,7 +13406,6 @@
               <a:rPr lang="en-US" sz="2400" dirty="0"/>
               <a:t>bit yang akan dibandingkan bernilai Salah atau keduanya bernilai Benar maka hasil akhir operasi XOR tersebut adalah Salah.</a:t>
             </a:r>
-            <a:endParaRPr lang="en-US" sz="2400" dirty="0"/>
           </a:p>
         </p:txBody>
       </p:sp>
@@ -13457,12 +13462,12 @@
           <a:lstStyle/>
           <a:p>
             <a:r>
-              <a:rPr lang="en-US" dirty="0"/>
-              <a:t>Source </a:t>
+              <a:rPr lang="en-US" dirty="0" smtClean="0"/>
+              <a:t>Repository </a:t>
             </a:r>
             <a:r>
-              <a:rPr lang="en-US" dirty="0" smtClean="0"/>
-              <a:t>Code Github</a:t>
+              <a:rPr lang="en-US" dirty="0" err="1" smtClean="0"/>
+              <a:t>Github</a:t>
             </a:r>
             <a:endParaRPr lang="en-US" dirty="0"/>
           </a:p>
@@ -13486,15 +13491,29 @@
           <a:lstStyle/>
           <a:p>
             <a:r>
-              <a:rPr lang="en-US" sz="3600" dirty="0" smtClean="0"/>
-              <a:t>github.com/Bobbynurfebriyanto1234</a:t>
+              <a:rPr lang="en-US" sz="3600" dirty="0">
+                <a:hlinkClick r:id="rId2"/>
+              </a:rPr>
+              <a:t>https://</a:t>
             </a:r>
+            <a:r>
+              <a:rPr lang="en-US" sz="3600" dirty="0" smtClean="0">
+                <a:hlinkClick r:id="rId2"/>
+              </a:rPr>
+              <a:t>github.com/Bobbynurfebriyanto1234/finalprojectc</a:t>
+            </a:r>
+            <a:endParaRPr lang="en-US" sz="3600" dirty="0" smtClean="0"/>
           </a:p>
           <a:p>
             <a:r>
               <a:rPr lang="en-US" sz="3600" dirty="0" smtClean="0"/>
-              <a:t>github.com/mohammadqhoid</a:t>
+              <a:t>github.com/</a:t>
             </a:r>
+            <a:r>
+              <a:rPr lang="en-US" sz="3600" dirty="0" err="1" smtClean="0"/>
+              <a:t>mohammadqhoid</a:t>
+            </a:r>
+            <a:endParaRPr lang="en-US" sz="3600" dirty="0" smtClean="0"/>
           </a:p>
           <a:p>
             <a:r>
@@ -13547,7 +13566,7 @@
         </p:nvSpPr>
         <p:spPr>
           <a:xfrm>
-            <a:off x="1309502" y="811368"/>
+            <a:off x="996352" y="1061889"/>
             <a:ext cx="8825658" cy="772051"/>
           </a:xfrm>
         </p:spPr>
@@ -13557,16 +13576,106 @@
           <a:p>
             <a:r>
               <a:rPr lang="en-US" dirty="0" smtClean="0"/>
-              <a:t>Source Code</a:t>
+              <a:t>Tool Kita</a:t>
             </a:r>
             <a:endParaRPr lang="en-US" dirty="0"/>
+          </a:p>
+        </p:txBody>
+      </p:sp>
+      <p:pic>
+        <p:nvPicPr>
+          <p:cNvPr id="4" name="Picture 3"/>
+          <p:cNvPicPr>
+            <a:picLocks noChangeAspect="1"/>
+          </p:cNvPicPr>
+          <p:nvPr/>
+        </p:nvPicPr>
+        <p:blipFill rotWithShape="1">
+          <a:blip r:embed="rId2"/>
+          <a:srcRect l="6421" t="30865" r="46983" b="48245"/>
+          <a:stretch/>
+        </p:blipFill>
+        <p:spPr>
+          <a:xfrm>
+            <a:off x="1127343" y="1991638"/>
+            <a:ext cx="9888988" cy="2492680"/>
+          </a:xfrm>
+          <a:prstGeom prst="rect">
+            <a:avLst/>
+          </a:prstGeom>
+        </p:spPr>
+      </p:pic>
+    </p:spTree>
+    <p:extLst>
+      <p:ext uri="{BB962C8B-B14F-4D97-AF65-F5344CB8AC3E}">
+        <p14:creationId xmlns:p14="http://schemas.microsoft.com/office/powerpoint/2010/main" val="3571952713"/>
+      </p:ext>
+    </p:extLst>
+  </p:cSld>
+  <p:clrMapOvr>
+    <a:masterClrMapping/>
+  </p:clrMapOvr>
+  <p:timing>
+    <p:tnLst>
+      <p:par>
+        <p:cTn id="1" dur="indefinite" restart="never" nodeType="tmRoot"/>
+      </p:par>
+    </p:tnLst>
+  </p:timing>
+</p:sld>
+</file>
+
+<file path=ppt/slides/slide5.xml><?xml version="1.0" encoding="utf-8"?>
+<p:sld xmlns:a="http://schemas.openxmlformats.org/drawingml/2006/main" xmlns:r="http://schemas.openxmlformats.org/officeDocument/2006/relationships" xmlns:p="http://schemas.openxmlformats.org/presentationml/2006/main">
+  <p:cSld>
+    <p:spTree>
+      <p:nvGrpSpPr>
+        <p:cNvPr id="1" name=""/>
+        <p:cNvGrpSpPr/>
+        <p:nvPr/>
+      </p:nvGrpSpPr>
+      <p:grpSpPr>
+        <a:xfrm>
+          <a:off x="0" y="0"/>
+          <a:ext cx="0" cy="0"/>
+          <a:chOff x="0" y="0"/>
+          <a:chExt cx="0" cy="0"/>
+        </a:xfrm>
+      </p:grpSpPr>
+      <p:sp>
+        <p:nvSpPr>
+          <p:cNvPr id="3" name="Subtitle 2"/>
+          <p:cNvSpPr>
+            <a:spLocks noGrp="1"/>
+          </p:cNvSpPr>
+          <p:nvPr>
+            <p:ph type="subTitle" idx="1"/>
+          </p:nvPr>
+        </p:nvSpPr>
+        <p:spPr>
+          <a:xfrm>
+            <a:off x="4117903" y="2497643"/>
+            <a:ext cx="4474951" cy="861420"/>
+          </a:xfrm>
+        </p:spPr>
+        <p:txBody>
+          <a:bodyPr>
+            <a:noAutofit/>
+          </a:bodyPr>
+          <a:lstStyle/>
+          <a:p>
+            <a:r>
+              <a:rPr lang="en-US" sz="8800" b="1" dirty="0" smtClean="0"/>
+              <a:t>DEMO</a:t>
+            </a:r>
+            <a:endParaRPr lang="en-US" sz="8800" b="1" dirty="0"/>
           </a:p>
         </p:txBody>
       </p:sp>
     </p:spTree>
     <p:extLst>
       <p:ext uri="{BB962C8B-B14F-4D97-AF65-F5344CB8AC3E}">
-        <p14:creationId xmlns:p14="http://schemas.microsoft.com/office/powerpoint/2010/main" val="3571952713"/>
+        <p14:creationId xmlns:p14="http://schemas.microsoft.com/office/powerpoint/2010/main" val="2738727329"/>
       </p:ext>
     </p:extLst>
   </p:cSld>
